--- a/POW2.pptx
+++ b/POW2.pptx
@@ -314,7 +314,7 @@
           <a:p>
             <a:fld id="{B37E7159-79D4-4BF9-BD63-03C8BC70D8E3}" type="datetimeFigureOut">
               <a:rPr lang="en-NL" smtClean="0"/>
-              <a:t>14/02/2024</a:t>
+              <a:t>26/02/2024</a:t>
             </a:fld>
             <a:endParaRPr lang="en-NL"/>
           </a:p>
@@ -504,7 +504,7 @@
           <a:p>
             <a:fld id="{B37E7159-79D4-4BF9-BD63-03C8BC70D8E3}" type="datetimeFigureOut">
               <a:rPr lang="en-NL" smtClean="0"/>
-              <a:t>14/02/2024</a:t>
+              <a:t>26/02/2024</a:t>
             </a:fld>
             <a:endParaRPr lang="en-NL"/>
           </a:p>
@@ -684,7 +684,7 @@
           <a:p>
             <a:fld id="{B37E7159-79D4-4BF9-BD63-03C8BC70D8E3}" type="datetimeFigureOut">
               <a:rPr lang="en-NL" smtClean="0"/>
-              <a:t>14/02/2024</a:t>
+              <a:t>26/02/2024</a:t>
             </a:fld>
             <a:endParaRPr lang="en-NL"/>
           </a:p>
@@ -854,7 +854,7 @@
           <a:p>
             <a:fld id="{B37E7159-79D4-4BF9-BD63-03C8BC70D8E3}" type="datetimeFigureOut">
               <a:rPr lang="en-NL" smtClean="0"/>
-              <a:t>14/02/2024</a:t>
+              <a:t>26/02/2024</a:t>
             </a:fld>
             <a:endParaRPr lang="en-NL"/>
           </a:p>
@@ -1110,7 +1110,7 @@
           <a:p>
             <a:fld id="{B37E7159-79D4-4BF9-BD63-03C8BC70D8E3}" type="datetimeFigureOut">
               <a:rPr lang="en-NL" smtClean="0"/>
-              <a:t>14/02/2024</a:t>
+              <a:t>26/02/2024</a:t>
             </a:fld>
             <a:endParaRPr lang="en-NL"/>
           </a:p>
@@ -1398,7 +1398,7 @@
           <a:p>
             <a:fld id="{B37E7159-79D4-4BF9-BD63-03C8BC70D8E3}" type="datetimeFigureOut">
               <a:rPr lang="en-NL" smtClean="0"/>
-              <a:t>14/02/2024</a:t>
+              <a:t>26/02/2024</a:t>
             </a:fld>
             <a:endParaRPr lang="en-NL"/>
           </a:p>
@@ -1836,7 +1836,7 @@
           <a:p>
             <a:fld id="{B37E7159-79D4-4BF9-BD63-03C8BC70D8E3}" type="datetimeFigureOut">
               <a:rPr lang="en-NL" smtClean="0"/>
-              <a:t>14/02/2024</a:t>
+              <a:t>26/02/2024</a:t>
             </a:fld>
             <a:endParaRPr lang="en-NL"/>
           </a:p>
@@ -1954,7 +1954,7 @@
           <a:p>
             <a:fld id="{B37E7159-79D4-4BF9-BD63-03C8BC70D8E3}" type="datetimeFigureOut">
               <a:rPr lang="en-NL" smtClean="0"/>
-              <a:t>14/02/2024</a:t>
+              <a:t>26/02/2024</a:t>
             </a:fld>
             <a:endParaRPr lang="en-NL"/>
           </a:p>
@@ -2049,7 +2049,7 @@
           <a:p>
             <a:fld id="{B37E7159-79D4-4BF9-BD63-03C8BC70D8E3}" type="datetimeFigureOut">
               <a:rPr lang="en-NL" smtClean="0"/>
-              <a:t>14/02/2024</a:t>
+              <a:t>26/02/2024</a:t>
             </a:fld>
             <a:endParaRPr lang="en-NL"/>
           </a:p>
@@ -2405,7 +2405,7 @@
           <a:p>
             <a:fld id="{B37E7159-79D4-4BF9-BD63-03C8BC70D8E3}" type="datetimeFigureOut">
               <a:rPr lang="en-NL" smtClean="0"/>
-              <a:t>14/02/2024</a:t>
+              <a:t>26/02/2024</a:t>
             </a:fld>
             <a:endParaRPr lang="en-NL"/>
           </a:p>
@@ -2721,7 +2721,7 @@
           <a:p>
             <a:fld id="{B37E7159-79D4-4BF9-BD63-03C8BC70D8E3}" type="datetimeFigureOut">
               <a:rPr lang="en-NL" smtClean="0"/>
-              <a:t>14/02/2024</a:t>
+              <a:t>26/02/2024</a:t>
             </a:fld>
             <a:endParaRPr lang="en-NL"/>
           </a:p>
@@ -2954,7 +2954,7 @@
           <a:p>
             <a:fld id="{B37E7159-79D4-4BF9-BD63-03C8BC70D8E3}" type="datetimeFigureOut">
               <a:rPr lang="en-NL" smtClean="0"/>
-              <a:t>14/02/2024</a:t>
+              <a:t>26/02/2024</a:t>
             </a:fld>
             <a:endParaRPr lang="en-NL"/>
           </a:p>
@@ -3529,13 +3529,55 @@
           <a:lstStyle/>
           <a:p>
             <a:r>
-              <a:rPr lang="en-US"/>
+              <a:rPr lang="en-US" dirty="0"/>
+              <a:t>- Blockchain, private, consensus</a:t>
+            </a:r>
+          </a:p>
+          <a:p>
+            <a:r>
+              <a:rPr lang="en-US" dirty="0"/>
               <a:t>- </a:t>
             </a:r>
             <a:r>
+              <a:rPr lang="en-US" dirty="0" err="1"/>
+              <a:t>Github</a:t>
+            </a:r>
+            <a:r>
               <a:rPr lang="en-US" dirty="0"/>
-              <a:t>Blockchain</a:t>
-            </a:r>
+              <a:t>?</a:t>
+            </a:r>
+          </a:p>
+          <a:p>
+            <a:r>
+              <a:rPr lang="en-US" dirty="0"/>
+              <a:t>- Bluetooth &gt; Smart Cards (NFC)</a:t>
+            </a:r>
+          </a:p>
+          <a:p>
+            <a:r>
+              <a:rPr lang="en-US" dirty="0"/>
+              <a:t>- </a:t>
+            </a:r>
+            <a:r>
+              <a:rPr lang="en-US" dirty="0" err="1"/>
+              <a:t>LoRaWAN</a:t>
+            </a:r>
+            <a:endParaRPr lang="en-US" dirty="0"/>
+          </a:p>
+          <a:p>
+            <a:r>
+              <a:rPr lang="en-US" dirty="0"/>
+              <a:t>- Microcontroller: ESP32</a:t>
+            </a:r>
+          </a:p>
+          <a:p>
+            <a:endParaRPr lang="en-US" dirty="0"/>
+          </a:p>
+          <a:p>
+            <a:endParaRPr lang="en-US" dirty="0"/>
+          </a:p>
+          <a:p>
+            <a:endParaRPr lang="en-US" dirty="0"/>
           </a:p>
           <a:p>
             <a:pPr marL="0" indent="0">
@@ -3627,21 +3669,19 @@
           </a:bodyPr>
           <a:lstStyle/>
           <a:p>
-            <a:r>
+            <a:pPr marL="0" indent="0">
+              <a:buNone/>
+            </a:pPr>
+            <a:br>
               <a:rPr lang="en-US" sz="1600" b="1" dirty="0"/>
-              <a:t>“</a:t>
+            </a:br>
+            <a:r>
+              <a:rPr lang="en-US" sz="1600" b="1" dirty="0"/>
+              <a:t>  HTTP? Internet op </a:t>
             </a:r>
             <a:r>
               <a:rPr lang="en-US" sz="1600" b="1" dirty="0" err="1"/>
-              <a:t>Bedrijfsbezoek</a:t>
-            </a:r>
-            <a:r>
-              <a:rPr lang="en-US" sz="1600" b="1" dirty="0"/>
-              <a:t>” HR. </a:t>
-            </a:r>
-            <a:r>
-              <a:rPr lang="en-US" sz="1600" b="1" dirty="0" err="1"/>
-              <a:t>Woensdag</a:t>
+              <a:t>schip</a:t>
             </a:r>
             <a:r>
               <a:rPr lang="en-US" sz="1600" b="1" dirty="0"/>
@@ -3649,7 +3689,7 @@
             </a:r>
             <a:r>
               <a:rPr lang="en-US" sz="1600" b="1" dirty="0" err="1"/>
-              <a:t>middag</a:t>
+              <a:t>beschikbaar</a:t>
             </a:r>
             <a:r>
               <a:rPr lang="en-US" sz="1600" b="1" dirty="0"/>
@@ -3659,19 +3699,17 @@
           <a:p>
             <a:r>
               <a:rPr lang="en-US" sz="1600" b="1" dirty="0"/>
-              <a:t>Hoe </a:t>
+              <a:t>LoRa module, ESP32</a:t>
+            </a:r>
+          </a:p>
+          <a:p>
+            <a:r>
+              <a:rPr lang="en-US" sz="1600" b="1" dirty="0"/>
+              <a:t>Frederik in CC, mails </a:t>
             </a:r>
             <a:r>
               <a:rPr lang="en-US" sz="1600" b="1" dirty="0" err="1"/>
-              <a:t>authoriseren</a:t>
-            </a:r>
-            <a:r>
-              <a:rPr lang="en-US" sz="1600" b="1" dirty="0"/>
-              <a:t> we de </a:t>
-            </a:r>
-            <a:r>
-              <a:rPr lang="en-US" sz="1600" b="1" dirty="0" err="1"/>
-              <a:t>juiste</a:t>
+              <a:t>naar</a:t>
             </a:r>
             <a:r>
               <a:rPr lang="en-US" sz="1600" b="1" dirty="0"/>
@@ -3679,14 +3717,50 @@
             </a:r>
             <a:r>
               <a:rPr lang="en-US" sz="1600" b="1" dirty="0" err="1"/>
-              <a:t>mensen</a:t>
+              <a:t>elektrotechniek</a:t>
             </a:r>
             <a:r>
               <a:rPr lang="en-US" sz="1600" b="1" dirty="0"/>
-              <a:t>?</a:t>
-            </a:r>
-          </a:p>
-          <a:p>
+              <a:t>.</a:t>
+            </a:r>
+          </a:p>
+          <a:p>
+            <a:r>
+              <a:rPr lang="en-US" sz="1600" b="1" dirty="0" err="1"/>
+              <a:t>Hary</a:t>
+            </a:r>
+            <a:r>
+              <a:rPr lang="en-US" sz="1600" b="1" dirty="0"/>
+              <a:t> </a:t>
+            </a:r>
+            <a:r>
+              <a:rPr lang="en-US" sz="1600" b="1" dirty="0" err="1"/>
+              <a:t>mailen</a:t>
+            </a:r>
+            <a:r>
+              <a:rPr lang="en-US" sz="1600" b="1" dirty="0"/>
+              <a:t> over microcontroller </a:t>
+            </a:r>
+            <a:r>
+              <a:rPr lang="en-US" sz="1600" b="1" dirty="0" err="1"/>
+              <a:t>en</a:t>
+            </a:r>
+            <a:r>
+              <a:rPr lang="en-US" sz="1600" b="1" dirty="0"/>
+              <a:t> </a:t>
+            </a:r>
+            <a:r>
+              <a:rPr lang="en-US" sz="1600" b="1" dirty="0" err="1"/>
+              <a:t>LoRA</a:t>
+            </a:r>
+            <a:r>
+              <a:rPr lang="en-US" sz="1600" b="1" dirty="0"/>
+              <a:t>, </a:t>
+            </a:r>
+            <a:r>
+              <a:rPr lang="en-US" sz="1600" b="1" dirty="0" err="1"/>
+              <a:t>lenen</a:t>
+            </a:r>
             <a:endParaRPr lang="en-US" sz="1600" b="1" dirty="0"/>
           </a:p>
         </p:txBody>
@@ -3696,7 +3770,7 @@
           <p:cNvPr id="1026" name="Picture 2">
             <a:extLst>
               <a:ext uri="{FF2B5EF4-FFF2-40B4-BE49-F238E27FC236}">
-                <a16:creationId xmlns:a16="http://schemas.microsoft.com/office/drawing/2014/main" id="{5417841C-FFD8-39DD-6ADE-6DD3043633B5}"/>
+                <a16:creationId xmlns:a16="http://schemas.microsoft.com/office/drawing/2014/main" id="{4F4D5DDB-45DB-41E1-80D5-8D5E2648299F}"/>
               </a:ext>
             </a:extLst>
           </p:cNvPr>
@@ -3720,8 +3794,8 @@
         </p:blipFill>
         <p:spPr bwMode="auto">
           <a:xfrm>
-            <a:off x="6275323" y="3112265"/>
-            <a:ext cx="5425266" cy="3176010"/>
+            <a:off x="3130658" y="3610298"/>
+            <a:ext cx="9061342" cy="3148977"/>
           </a:xfrm>
           <a:prstGeom prst="rect">
             <a:avLst/>
